--- a/Text Editor.pptx
+++ b/Text Editor.pptx
@@ -243,7 +243,7 @@
           <a:p>
             <a:fld id="{6C7BA811-8917-4F1D-B22F-E96045BFA4E0}" type="datetimeFigureOut">
               <a:rPr lang="en-US" smtClean="0"/>
-              <a:t>9/3/2023</a:t>
+              <a:t>9/4/2023</a:t>
             </a:fld>
             <a:endParaRPr lang="en-US" dirty="0"/>
           </a:p>
@@ -14240,7 +14240,7 @@
           <a:p>
             <a:r>
               <a:rPr lang="en-US" dirty="0"/>
-              <a:t>The loop ends when the user gives an keyboard interrupt.</a:t>
+              <a:t>The loop ends when the user writes “Stop” and press enter.</a:t>
             </a:r>
           </a:p>
           <a:p>
@@ -14460,7 +14460,7 @@
         <p:spPr/>
         <p:txBody>
           <a:bodyPr>
-            <a:normAutofit fontScale="92500" lnSpcReduction="20000"/>
+            <a:normAutofit fontScale="85000" lnSpcReduction="20000"/>
           </a:bodyPr>
           <a:lstStyle/>
           <a:p>
@@ -14490,7 +14490,7 @@
           <a:p>
             <a:r>
               <a:rPr lang="en-US" dirty="0"/>
-              <a:t>The loop ends when the user gives an keyboard interrupt.</a:t>
+              <a:t>The loop ends when the user writes “Stop” and press enter.</a:t>
             </a:r>
           </a:p>
           <a:p>
@@ -15218,6 +15218,15 @@
 </file>
 
 <file path=customXml/item1.xml><?xml version="1.0" encoding="utf-8"?>
+<p:properties xmlns:p="http://schemas.microsoft.com/office/2006/metadata/properties" xmlns:xsi="http://www.w3.org/2001/XMLSchema-instance" xmlns:pc="http://schemas.microsoft.com/office/infopath/2007/PartnerControls">
+  <documentManagement>
+    <Status xmlns="71af3243-3dd4-4a8d-8c0d-dd76da1f02a5">Not started</Status>
+    <MediaServiceKeyPoints xmlns="71af3243-3dd4-4a8d-8c0d-dd76da1f02a5" xsi:nil="true"/>
+  </documentManagement>
+</p:properties>
+</file>
+
+<file path=customXml/item2.xml><?xml version="1.0" encoding="utf-8"?>
 <ct:contentTypeSchema xmlns:ct="http://schemas.microsoft.com/office/2006/metadata/contentType" xmlns:ma="http://schemas.microsoft.com/office/2006/metadata/properties/metaAttributes" ct:_="" ma:_="" ma:contentTypeName="Document" ma:contentTypeID="0x01010079F111ED35F8CC479449609E8A0923A6" ma:contentTypeVersion="12" ma:contentTypeDescription="Create a new document." ma:contentTypeScope="" ma:versionID="426e97fa315356fffbdcd9876fe988c2">
   <xsd:schema xmlns:xsd="http://www.w3.org/2001/XMLSchema" xmlns:xs="http://www.w3.org/2001/XMLSchema" xmlns:p="http://schemas.microsoft.com/office/2006/metadata/properties" xmlns:ns2="71af3243-3dd4-4a8d-8c0d-dd76da1f02a5" xmlns:ns3="16c05727-aa75-4e4a-9b5f-8a80a1165891" targetNamespace="http://schemas.microsoft.com/office/2006/metadata/properties" ma:root="true" ma:fieldsID="14b8f0def80e6d70ce3def20c90759ae" ns2:_="" ns3:_="">
     <xsd:import namespace="71af3243-3dd4-4a8d-8c0d-dd76da1f02a5"/>
@@ -15438,15 +15447,6 @@
 </ct:contentTypeSchema>
 </file>
 
-<file path=customXml/item2.xml><?xml version="1.0" encoding="utf-8"?>
-<p:properties xmlns:p="http://schemas.microsoft.com/office/2006/metadata/properties" xmlns:xsi="http://www.w3.org/2001/XMLSchema-instance" xmlns:pc="http://schemas.microsoft.com/office/infopath/2007/PartnerControls">
-  <documentManagement>
-    <Status xmlns="71af3243-3dd4-4a8d-8c0d-dd76da1f02a5">Not started</Status>
-    <MediaServiceKeyPoints xmlns="71af3243-3dd4-4a8d-8c0d-dd76da1f02a5" xsi:nil="true"/>
-  </documentManagement>
-</p:properties>
-</file>
-
 <file path=customXml/item3.xml><?xml version="1.0" encoding="utf-8"?>
 <?mso-contentType ?>
 <FormTemplates xmlns="http://schemas.microsoft.com/sharepoint/v3/contenttype/forms">
@@ -15457,6 +15457,16 @@
 </file>
 
 <file path=customXml/itemProps1.xml><?xml version="1.0" encoding="utf-8"?>
+<ds:datastoreItem xmlns:ds="http://schemas.openxmlformats.org/officeDocument/2006/customXml" ds:itemID="{FBDEF148-1770-458F-8F5B-C3D0A278AA97}">
+  <ds:schemaRefs>
+    <ds:schemaRef ds:uri="http://schemas.microsoft.com/office/2006/metadata/properties"/>
+    <ds:schemaRef ds:uri="http://schemas.microsoft.com/office/infopath/2007/PartnerControls"/>
+    <ds:schemaRef ds:uri="71af3243-3dd4-4a8d-8c0d-dd76da1f02a5"/>
+  </ds:schemaRefs>
+</ds:datastoreItem>
+</file>
+
+<file path=customXml/itemProps2.xml><?xml version="1.0" encoding="utf-8"?>
 <ds:datastoreItem xmlns:ds="http://schemas.openxmlformats.org/officeDocument/2006/customXml" ds:itemID="{8413533D-8C39-401E-8B75-B1AEEEC56B93}">
   <ds:schemaRefs>
     <ds:schemaRef ds:uri="http://schemas.microsoft.com/office/2006/metadata/contentType"/>
@@ -15475,16 +15485,6 @@
 </ds:datastoreItem>
 </file>
 
-<file path=customXml/itemProps2.xml><?xml version="1.0" encoding="utf-8"?>
-<ds:datastoreItem xmlns:ds="http://schemas.openxmlformats.org/officeDocument/2006/customXml" ds:itemID="{FBDEF148-1770-458F-8F5B-C3D0A278AA97}">
-  <ds:schemaRefs>
-    <ds:schemaRef ds:uri="http://schemas.microsoft.com/office/2006/metadata/properties"/>
-    <ds:schemaRef ds:uri="http://schemas.microsoft.com/office/infopath/2007/PartnerControls"/>
-    <ds:schemaRef ds:uri="71af3243-3dd4-4a8d-8c0d-dd76da1f02a5"/>
-  </ds:schemaRefs>
-</ds:datastoreItem>
-</file>
-
 <file path=customXml/itemProps3.xml><?xml version="1.0" encoding="utf-8"?>
 <ds:datastoreItem xmlns:ds="http://schemas.openxmlformats.org/officeDocument/2006/customXml" ds:itemID="{1A449C04-64B3-4403-94B7-8D2284C38D1B}">
   <ds:schemaRefs>
